--- a/Lecture Slides/13 Spring CRUD.pptx
+++ b/Lecture Slides/13 Spring CRUD.pptx
@@ -240,7 +240,7 @@
             <a:fld id="{2B92EF69-4580-D948-9358-37D6C6E355D3}" type="datetimeFigureOut">
               <a:rPr lang="en-US" smtClean="0"/>
               <a:pPr/>
-              <a:t>11/9/2018</a:t>
+              <a:t>11/12/2018</a:t>
             </a:fld>
             <a:endParaRPr lang="en-US"/>
           </a:p>
@@ -408,7 +408,7 @@
             <a:fld id="{A2AF659B-3BFD-7C4F-8593-16CDDE7417A4}" type="datetimeFigureOut">
               <a:rPr lang="en-US" smtClean="0"/>
               <a:pPr/>
-              <a:t>11/9/2018</a:t>
+              <a:t>11/12/2018</a:t>
             </a:fld>
             <a:endParaRPr lang="en-US"/>
           </a:p>
@@ -4517,6 +4517,546 @@
           <a:p>
             <a:pPr algn="ctr"/>
             <a:endParaRPr lang="en-GB"/>
+          </a:p>
+        </p:txBody>
+      </p:sp>
+      <p:grpSp>
+        <p:nvGrpSpPr>
+          <p:cNvPr id="16" name="Group 15">
+            <a:extLst>
+              <a:ext uri="{FF2B5EF4-FFF2-40B4-BE49-F238E27FC236}">
+                <a16:creationId xmlns:a16="http://schemas.microsoft.com/office/drawing/2014/main" id="{EAD9F569-F7FC-40E7-9633-DFFAF6072FC9}"/>
+              </a:ext>
+            </a:extLst>
+          </p:cNvPr>
+          <p:cNvGrpSpPr/>
+          <p:nvPr/>
+        </p:nvGrpSpPr>
+        <p:grpSpPr>
+          <a:xfrm>
+            <a:off x="5692421" y="3985806"/>
+            <a:ext cx="3291958" cy="1565986"/>
+            <a:chOff x="2921933" y="3730361"/>
+            <a:chExt cx="5493455" cy="2190042"/>
+          </a:xfrm>
+        </p:grpSpPr>
+        <p:sp>
+          <p:nvSpPr>
+            <p:cNvPr id="17" name="Rectangle 16">
+              <a:extLst>
+                <a:ext uri="{FF2B5EF4-FFF2-40B4-BE49-F238E27FC236}">
+                  <a16:creationId xmlns:a16="http://schemas.microsoft.com/office/drawing/2014/main" id="{50421B75-E6FF-48FC-938B-94A275C59AA0}"/>
+                </a:ext>
+              </a:extLst>
+            </p:cNvPr>
+            <p:cNvSpPr/>
+            <p:nvPr/>
+          </p:nvSpPr>
+          <p:spPr>
+            <a:xfrm>
+              <a:off x="2921933" y="3730361"/>
+              <a:ext cx="1042106" cy="541866"/>
+            </a:xfrm>
+            <a:prstGeom prst="rect">
+              <a:avLst/>
+            </a:prstGeom>
+            <a:solidFill>
+              <a:schemeClr val="bg1"/>
+            </a:solidFill>
+            <a:ln>
+              <a:solidFill>
+                <a:schemeClr val="tx1"/>
+              </a:solidFill>
+            </a:ln>
+          </p:spPr>
+          <p:style>
+            <a:lnRef idx="2">
+              <a:schemeClr val="accent1">
+                <a:shade val="50000"/>
+              </a:schemeClr>
+            </a:lnRef>
+            <a:fillRef idx="1">
+              <a:schemeClr val="accent1"/>
+            </a:fillRef>
+            <a:effectRef idx="0">
+              <a:schemeClr val="accent1"/>
+            </a:effectRef>
+            <a:fontRef idx="minor">
+              <a:schemeClr val="lt1"/>
+            </a:fontRef>
+          </p:style>
+          <p:txBody>
+            <a:bodyPr rtlCol="0" anchor="ctr"/>
+            <a:lstStyle/>
+            <a:p>
+              <a:pPr algn="ctr"/>
+              <a:r>
+                <a:rPr lang="en-GB" sz="1600" dirty="0">
+                  <a:solidFill>
+                    <a:schemeClr val="tx1"/>
+                  </a:solidFill>
+                </a:rPr>
+                <a:t>id</a:t>
+              </a:r>
+            </a:p>
+          </p:txBody>
+        </p:sp>
+        <p:sp>
+          <p:nvSpPr>
+            <p:cNvPr id="18" name="Rectangle 17">
+              <a:extLst>
+                <a:ext uri="{FF2B5EF4-FFF2-40B4-BE49-F238E27FC236}">
+                  <a16:creationId xmlns:a16="http://schemas.microsoft.com/office/drawing/2014/main" id="{CD7AD44D-1431-4129-85CA-85FC39202517}"/>
+                </a:ext>
+              </a:extLst>
+            </p:cNvPr>
+            <p:cNvSpPr/>
+            <p:nvPr/>
+          </p:nvSpPr>
+          <p:spPr>
+            <a:xfrm>
+              <a:off x="3967566" y="3730361"/>
+              <a:ext cx="4447822" cy="541866"/>
+            </a:xfrm>
+            <a:prstGeom prst="rect">
+              <a:avLst/>
+            </a:prstGeom>
+            <a:solidFill>
+              <a:schemeClr val="bg1"/>
+            </a:solidFill>
+            <a:ln>
+              <a:solidFill>
+                <a:schemeClr val="tx1"/>
+              </a:solidFill>
+            </a:ln>
+          </p:spPr>
+          <p:style>
+            <a:lnRef idx="2">
+              <a:schemeClr val="accent1">
+                <a:shade val="50000"/>
+              </a:schemeClr>
+            </a:lnRef>
+            <a:fillRef idx="1">
+              <a:schemeClr val="accent1"/>
+            </a:fillRef>
+            <a:effectRef idx="0">
+              <a:schemeClr val="accent1"/>
+            </a:effectRef>
+            <a:fontRef idx="minor">
+              <a:schemeClr val="lt1"/>
+            </a:fontRef>
+          </p:style>
+          <p:txBody>
+            <a:bodyPr rtlCol="0" anchor="ctr"/>
+            <a:lstStyle/>
+            <a:p>
+              <a:r>
+                <a:rPr lang="en-GB" sz="1600" dirty="0">
+                  <a:solidFill>
+                    <a:schemeClr val="tx1"/>
+                  </a:solidFill>
+                </a:rPr>
+                <a:t>  name</a:t>
+              </a:r>
+            </a:p>
+          </p:txBody>
+        </p:sp>
+        <p:sp>
+          <p:nvSpPr>
+            <p:cNvPr id="19" name="Rectangle 18">
+              <a:extLst>
+                <a:ext uri="{FF2B5EF4-FFF2-40B4-BE49-F238E27FC236}">
+                  <a16:creationId xmlns:a16="http://schemas.microsoft.com/office/drawing/2014/main" id="{CD7E1A19-D1F8-492F-90D3-E1C8B3FF8589}"/>
+                </a:ext>
+              </a:extLst>
+            </p:cNvPr>
+            <p:cNvSpPr/>
+            <p:nvPr/>
+          </p:nvSpPr>
+          <p:spPr>
+            <a:xfrm>
+              <a:off x="2921933" y="4279753"/>
+              <a:ext cx="1042106" cy="541866"/>
+            </a:xfrm>
+            <a:prstGeom prst="rect">
+              <a:avLst/>
+            </a:prstGeom>
+            <a:solidFill>
+              <a:schemeClr val="bg1"/>
+            </a:solidFill>
+            <a:ln>
+              <a:solidFill>
+                <a:schemeClr val="tx1"/>
+              </a:solidFill>
+            </a:ln>
+          </p:spPr>
+          <p:style>
+            <a:lnRef idx="2">
+              <a:schemeClr val="accent1">
+                <a:shade val="50000"/>
+              </a:schemeClr>
+            </a:lnRef>
+            <a:fillRef idx="1">
+              <a:schemeClr val="accent1"/>
+            </a:fillRef>
+            <a:effectRef idx="0">
+              <a:schemeClr val="accent1"/>
+            </a:effectRef>
+            <a:fontRef idx="minor">
+              <a:schemeClr val="lt1"/>
+            </a:fontRef>
+          </p:style>
+          <p:txBody>
+            <a:bodyPr rtlCol="0" anchor="ctr"/>
+            <a:lstStyle/>
+            <a:p>
+              <a:pPr algn="ctr"/>
+              <a:r>
+                <a:rPr lang="en-GB" sz="1600" dirty="0">
+                  <a:solidFill>
+                    <a:schemeClr val="tx1"/>
+                  </a:solidFill>
+                </a:rPr>
+                <a:t>1</a:t>
+              </a:r>
+            </a:p>
+          </p:txBody>
+        </p:sp>
+        <p:sp>
+          <p:nvSpPr>
+            <p:cNvPr id="20" name="Rectangle 19">
+              <a:extLst>
+                <a:ext uri="{FF2B5EF4-FFF2-40B4-BE49-F238E27FC236}">
+                  <a16:creationId xmlns:a16="http://schemas.microsoft.com/office/drawing/2014/main" id="{11A42712-DE8C-46FC-A59C-AE9B02DE1F1B}"/>
+                </a:ext>
+              </a:extLst>
+            </p:cNvPr>
+            <p:cNvSpPr/>
+            <p:nvPr/>
+          </p:nvSpPr>
+          <p:spPr>
+            <a:xfrm>
+              <a:off x="3967566" y="4279753"/>
+              <a:ext cx="4447822" cy="541866"/>
+            </a:xfrm>
+            <a:prstGeom prst="rect">
+              <a:avLst/>
+            </a:prstGeom>
+            <a:solidFill>
+              <a:schemeClr val="bg1"/>
+            </a:solidFill>
+            <a:ln>
+              <a:solidFill>
+                <a:schemeClr val="tx1"/>
+              </a:solidFill>
+            </a:ln>
+          </p:spPr>
+          <p:style>
+            <a:lnRef idx="2">
+              <a:schemeClr val="accent1">
+                <a:shade val="50000"/>
+              </a:schemeClr>
+            </a:lnRef>
+            <a:fillRef idx="1">
+              <a:schemeClr val="accent1"/>
+            </a:fillRef>
+            <a:effectRef idx="0">
+              <a:schemeClr val="accent1"/>
+            </a:effectRef>
+            <a:fontRef idx="minor">
+              <a:schemeClr val="lt1"/>
+            </a:fontRef>
+          </p:style>
+          <p:txBody>
+            <a:bodyPr rtlCol="0" anchor="ctr"/>
+            <a:lstStyle/>
+            <a:p>
+              <a:r>
+                <a:rPr lang="en-GB" sz="1600" dirty="0">
+                  <a:solidFill>
+                    <a:schemeClr val="tx1"/>
+                  </a:solidFill>
+                </a:rPr>
+                <a:t>  Final grade calculator</a:t>
+              </a:r>
+            </a:p>
+          </p:txBody>
+        </p:sp>
+        <p:sp>
+          <p:nvSpPr>
+            <p:cNvPr id="21" name="Rectangle 20">
+              <a:extLst>
+                <a:ext uri="{FF2B5EF4-FFF2-40B4-BE49-F238E27FC236}">
+                  <a16:creationId xmlns:a16="http://schemas.microsoft.com/office/drawing/2014/main" id="{33E53B49-75B9-4C69-903D-939197FF8608}"/>
+                </a:ext>
+              </a:extLst>
+            </p:cNvPr>
+            <p:cNvSpPr/>
+            <p:nvPr/>
+          </p:nvSpPr>
+          <p:spPr>
+            <a:xfrm>
+              <a:off x="2921933" y="4829145"/>
+              <a:ext cx="1042106" cy="541866"/>
+            </a:xfrm>
+            <a:prstGeom prst="rect">
+              <a:avLst/>
+            </a:prstGeom>
+            <a:solidFill>
+              <a:schemeClr val="bg1"/>
+            </a:solidFill>
+            <a:ln>
+              <a:solidFill>
+                <a:schemeClr val="tx1"/>
+              </a:solidFill>
+            </a:ln>
+          </p:spPr>
+          <p:style>
+            <a:lnRef idx="2">
+              <a:schemeClr val="accent1">
+                <a:shade val="50000"/>
+              </a:schemeClr>
+            </a:lnRef>
+            <a:fillRef idx="1">
+              <a:schemeClr val="accent1"/>
+            </a:fillRef>
+            <a:effectRef idx="0">
+              <a:schemeClr val="accent1"/>
+            </a:effectRef>
+            <a:fontRef idx="minor">
+              <a:schemeClr val="lt1"/>
+            </a:fontRef>
+          </p:style>
+          <p:txBody>
+            <a:bodyPr rtlCol="0" anchor="ctr"/>
+            <a:lstStyle/>
+            <a:p>
+              <a:pPr algn="ctr"/>
+              <a:r>
+                <a:rPr lang="en-GB" sz="1600" dirty="0">
+                  <a:solidFill>
+                    <a:schemeClr val="tx1"/>
+                  </a:solidFill>
+                </a:rPr>
+                <a:t>2</a:t>
+              </a:r>
+            </a:p>
+          </p:txBody>
+        </p:sp>
+        <p:sp>
+          <p:nvSpPr>
+            <p:cNvPr id="22" name="Rectangle 21">
+              <a:extLst>
+                <a:ext uri="{FF2B5EF4-FFF2-40B4-BE49-F238E27FC236}">
+                  <a16:creationId xmlns:a16="http://schemas.microsoft.com/office/drawing/2014/main" id="{EC021138-16D1-4C05-91F7-C3A4623C492F}"/>
+                </a:ext>
+              </a:extLst>
+            </p:cNvPr>
+            <p:cNvSpPr/>
+            <p:nvPr/>
+          </p:nvSpPr>
+          <p:spPr>
+            <a:xfrm>
+              <a:off x="3967566" y="4829145"/>
+              <a:ext cx="4447822" cy="541866"/>
+            </a:xfrm>
+            <a:prstGeom prst="rect">
+              <a:avLst/>
+            </a:prstGeom>
+            <a:solidFill>
+              <a:schemeClr val="bg1"/>
+            </a:solidFill>
+            <a:ln>
+              <a:solidFill>
+                <a:schemeClr val="tx1"/>
+              </a:solidFill>
+            </a:ln>
+          </p:spPr>
+          <p:style>
+            <a:lnRef idx="2">
+              <a:schemeClr val="accent1">
+                <a:shade val="50000"/>
+              </a:schemeClr>
+            </a:lnRef>
+            <a:fillRef idx="1">
+              <a:schemeClr val="accent1"/>
+            </a:fillRef>
+            <a:effectRef idx="0">
+              <a:schemeClr val="accent1"/>
+            </a:effectRef>
+            <a:fontRef idx="minor">
+              <a:schemeClr val="lt1"/>
+            </a:fontRef>
+          </p:style>
+          <p:txBody>
+            <a:bodyPr rtlCol="0" anchor="ctr"/>
+            <a:lstStyle/>
+            <a:p>
+              <a:r>
+                <a:rPr lang="en-GB" sz="1600" dirty="0">
+                  <a:solidFill>
+                    <a:schemeClr val="tx1"/>
+                  </a:solidFill>
+                </a:rPr>
+                <a:t>  Food miles app</a:t>
+              </a:r>
+            </a:p>
+          </p:txBody>
+        </p:sp>
+        <p:sp>
+          <p:nvSpPr>
+            <p:cNvPr id="23" name="Rectangle 22">
+              <a:extLst>
+                <a:ext uri="{FF2B5EF4-FFF2-40B4-BE49-F238E27FC236}">
+                  <a16:creationId xmlns:a16="http://schemas.microsoft.com/office/drawing/2014/main" id="{713B3CF8-658B-4679-855A-8A0975ADAB59}"/>
+                </a:ext>
+              </a:extLst>
+            </p:cNvPr>
+            <p:cNvSpPr/>
+            <p:nvPr/>
+          </p:nvSpPr>
+          <p:spPr>
+            <a:xfrm>
+              <a:off x="2921933" y="5378537"/>
+              <a:ext cx="1042106" cy="541866"/>
+            </a:xfrm>
+            <a:prstGeom prst="rect">
+              <a:avLst/>
+            </a:prstGeom>
+            <a:solidFill>
+              <a:schemeClr val="bg1"/>
+            </a:solidFill>
+            <a:ln>
+              <a:solidFill>
+                <a:schemeClr val="tx1"/>
+              </a:solidFill>
+            </a:ln>
+          </p:spPr>
+          <p:style>
+            <a:lnRef idx="2">
+              <a:schemeClr val="accent1">
+                <a:shade val="50000"/>
+              </a:schemeClr>
+            </a:lnRef>
+            <a:fillRef idx="1">
+              <a:schemeClr val="accent1"/>
+            </a:fillRef>
+            <a:effectRef idx="0">
+              <a:schemeClr val="accent1"/>
+            </a:effectRef>
+            <a:fontRef idx="minor">
+              <a:schemeClr val="lt1"/>
+            </a:fontRef>
+          </p:style>
+          <p:txBody>
+            <a:bodyPr rtlCol="0" anchor="ctr"/>
+            <a:lstStyle/>
+            <a:p>
+              <a:pPr algn="ctr"/>
+              <a:r>
+                <a:rPr lang="en-GB" sz="1600" dirty="0">
+                  <a:solidFill>
+                    <a:schemeClr val="tx1"/>
+                  </a:solidFill>
+                </a:rPr>
+                <a:t>3</a:t>
+              </a:r>
+            </a:p>
+          </p:txBody>
+        </p:sp>
+        <p:sp>
+          <p:nvSpPr>
+            <p:cNvPr id="24" name="Rectangle 23">
+              <a:extLst>
+                <a:ext uri="{FF2B5EF4-FFF2-40B4-BE49-F238E27FC236}">
+                  <a16:creationId xmlns:a16="http://schemas.microsoft.com/office/drawing/2014/main" id="{6A5875A5-A37A-40BB-8D86-8CD111F5D8C9}"/>
+                </a:ext>
+              </a:extLst>
+            </p:cNvPr>
+            <p:cNvSpPr/>
+            <p:nvPr/>
+          </p:nvSpPr>
+          <p:spPr>
+            <a:xfrm>
+              <a:off x="3967566" y="5378537"/>
+              <a:ext cx="4447822" cy="541866"/>
+            </a:xfrm>
+            <a:prstGeom prst="rect">
+              <a:avLst/>
+            </a:prstGeom>
+            <a:solidFill>
+              <a:schemeClr val="bg1"/>
+            </a:solidFill>
+            <a:ln>
+              <a:solidFill>
+                <a:schemeClr val="tx1"/>
+              </a:solidFill>
+            </a:ln>
+          </p:spPr>
+          <p:style>
+            <a:lnRef idx="2">
+              <a:schemeClr val="accent1">
+                <a:shade val="50000"/>
+              </a:schemeClr>
+            </a:lnRef>
+            <a:fillRef idx="1">
+              <a:schemeClr val="accent1"/>
+            </a:fillRef>
+            <a:effectRef idx="0">
+              <a:schemeClr val="accent1"/>
+            </a:effectRef>
+            <a:fontRef idx="minor">
+              <a:schemeClr val="lt1"/>
+            </a:fontRef>
+          </p:style>
+          <p:txBody>
+            <a:bodyPr rtlCol="0" anchor="ctr"/>
+            <a:lstStyle/>
+            <a:p>
+              <a:r>
+                <a:rPr lang="en-GB" sz="1600" dirty="0">
+                  <a:solidFill>
+                    <a:schemeClr val="tx1"/>
+                  </a:solidFill>
+                </a:rPr>
+                <a:t>  Tinder for cats</a:t>
+              </a:r>
+            </a:p>
+          </p:txBody>
+        </p:sp>
+      </p:grpSp>
+      <p:sp>
+        <p:nvSpPr>
+          <p:cNvPr id="25" name="TextBox 24">
+            <a:extLst>
+              <a:ext uri="{FF2B5EF4-FFF2-40B4-BE49-F238E27FC236}">
+                <a16:creationId xmlns:a16="http://schemas.microsoft.com/office/drawing/2014/main" id="{99353AB6-3E04-4ABB-975C-45BAB532E629}"/>
+              </a:ext>
+            </a:extLst>
+          </p:cNvPr>
+          <p:cNvSpPr txBox="1"/>
+          <p:nvPr/>
+        </p:nvSpPr>
+        <p:spPr>
+          <a:xfrm rot="16200000">
+            <a:off x="4573558" y="4636079"/>
+            <a:ext cx="1778051" cy="338554"/>
+          </a:xfrm>
+          <a:prstGeom prst="rect">
+            <a:avLst/>
+          </a:prstGeom>
+          <a:noFill/>
+        </p:spPr>
+        <p:txBody>
+          <a:bodyPr wrap="none" rtlCol="0">
+            <a:spAutoFit/>
+          </a:bodyPr>
+          <a:lstStyle/>
+          <a:p>
+            <a:r>
+              <a:rPr lang="en-GB" sz="1600" dirty="0"/>
+              <a:t>“projects” Table</a:t>
+            </a:r>
           </a:p>
         </p:txBody>
       </p:sp>
@@ -8620,6 +9160,44 @@
           </a:prstGeom>
         </p:spPr>
       </p:pic>
+      <p:sp>
+        <p:nvSpPr>
+          <p:cNvPr id="6" name="TextBox 5">
+            <a:extLst>
+              <a:ext uri="{FF2B5EF4-FFF2-40B4-BE49-F238E27FC236}">
+                <a16:creationId xmlns:a16="http://schemas.microsoft.com/office/drawing/2014/main" id="{3E4D8855-0E97-4B17-ACD3-70221FFFEF13}"/>
+              </a:ext>
+            </a:extLst>
+          </p:cNvPr>
+          <p:cNvSpPr txBox="1"/>
+          <p:nvPr/>
+        </p:nvSpPr>
+        <p:spPr>
+          <a:xfrm>
+            <a:off x="400239" y="6208762"/>
+            <a:ext cx="8340745" cy="461665"/>
+          </a:xfrm>
+          <a:prstGeom prst="rect">
+            <a:avLst/>
+          </a:prstGeom>
+          <a:noFill/>
+        </p:spPr>
+        <p:txBody>
+          <a:bodyPr wrap="none" rtlCol="0">
+            <a:spAutoFit/>
+          </a:bodyPr>
+          <a:lstStyle/>
+          <a:p>
+            <a:r>
+              <a:rPr lang="en-GB" sz="2400" dirty="0">
+                <a:hlinkClick r:id="rId3"/>
+              </a:rPr>
+              <a:t>http://127.0.0.1:8080/renameProject?id=2&amp;name=ipod</a:t>
+            </a:r>
+            <a:endParaRPr lang="en-GB" sz="2400" dirty="0"/>
+          </a:p>
+        </p:txBody>
+      </p:sp>
     </p:spTree>
     <p:extLst>
       <p:ext uri="{BB962C8B-B14F-4D97-AF65-F5344CB8AC3E}">
@@ -10858,7 +11436,12 @@
             <p:ph idx="1"/>
           </p:nvPr>
         </p:nvSpPr>
-        <p:spPr/>
+        <p:spPr>
+          <a:xfrm>
+            <a:off x="628650" y="1825625"/>
+            <a:ext cx="7886700" cy="4351338"/>
+          </a:xfrm>
+        </p:spPr>
         <p:txBody>
           <a:bodyPr/>
           <a:lstStyle/>
@@ -10898,7 +11481,7 @@
           <a:p>
             <a:r>
               <a:rPr lang="en-GB" dirty="0"/>
-              <a:t>Remember how it was fundamental knowledge ?</a:t>
+              <a:t>Remember it was “fundamental knowledge” ?</a:t>
             </a:r>
           </a:p>
           <a:p>
